--- a/Final_Submission/Team1_May_06_2009_Final_Presentation.pptx
+++ b/Final_Submission/Team1_May_06_2009_Final_Presentation.pptx
@@ -13,6 +13,7 @@
     <p:sldId id="261" r:id="rId7"/>
     <p:sldId id="262" r:id="rId8"/>
     <p:sldId id="263" r:id="rId9"/>
+    <p:sldId id="264" r:id="rId10"/>
   </p:sldIdLst>
   <p:sldSz cx="9144000" cy="6858000" type="screen4x3"/>
   <p:notesSz cx="6858000" cy="9144000"/>
@@ -3439,10 +3440,6 @@
               </a:rPr>
               <a:t>Requirements</a:t>
             </a:r>
-            <a:endParaRPr lang="en-US" sz="4000" dirty="0" smtClean="0">
-              <a:latin typeface="Calibri" pitchFamily="34" charset="0"/>
-              <a:cs typeface="Times New Roman" pitchFamily="18" charset="0"/>
-            </a:endParaRPr>
           </a:p>
         </p:txBody>
       </p:sp>
@@ -3523,13 +3520,7 @@
               <a:rPr lang="en-US" sz="2400" i="1" dirty="0" smtClean="0">
                 <a:latin typeface="Calibri" pitchFamily="34" charset="0"/>
               </a:rPr>
-              <a:t>O</a:t>
-            </a:r>
-            <a:r>
-              <a:rPr lang="en-US" sz="2400" i="1" dirty="0" smtClean="0">
-                <a:latin typeface="Calibri" pitchFamily="34" charset="0"/>
-              </a:rPr>
-              <a:t>bjectDraw </a:t>
+              <a:t>ObjectDraw </a:t>
             </a:r>
             <a:r>
               <a:rPr lang="en-US" sz="2400" dirty="0" smtClean="0">
@@ -3650,10 +3641,6 @@
               </a:rPr>
               <a:t>Technology Choice</a:t>
             </a:r>
-            <a:endParaRPr lang="en-US" sz="4000" dirty="0" smtClean="0">
-              <a:latin typeface="Calibri" pitchFamily="34" charset="0"/>
-              <a:cs typeface="Times New Roman" pitchFamily="18" charset="0"/>
-            </a:endParaRPr>
           </a:p>
         </p:txBody>
       </p:sp>
@@ -3795,10 +3782,6 @@
               </a:rPr>
               <a:t>Architecture: Networking model</a:t>
             </a:r>
-            <a:endParaRPr lang="en-US" sz="4000" dirty="0" smtClean="0">
-              <a:latin typeface="Calibri" pitchFamily="34" charset="0"/>
-              <a:cs typeface="Times New Roman" pitchFamily="18" charset="0"/>
-            </a:endParaRPr>
           </a:p>
         </p:txBody>
       </p:sp>
@@ -3909,10 +3892,6 @@
               </a:rPr>
               <a:t>Architecture: Client-Server &amp; P2P</a:t>
             </a:r>
-            <a:endParaRPr lang="en-US" sz="4000" dirty="0" smtClean="0">
-              <a:latin typeface="Calibri" pitchFamily="34" charset="0"/>
-              <a:cs typeface="Times New Roman" pitchFamily="18" charset="0"/>
-            </a:endParaRPr>
           </a:p>
         </p:txBody>
       </p:sp>
@@ -4108,10 +4087,6 @@
               </a:rPr>
               <a:t>Architecture/Design: Extensibility</a:t>
             </a:r>
-            <a:endParaRPr lang="en-US" sz="4000" dirty="0" smtClean="0">
-              <a:latin typeface="Calibri" pitchFamily="34" charset="0"/>
-              <a:cs typeface="Times New Roman" pitchFamily="18" charset="0"/>
-            </a:endParaRPr>
           </a:p>
         </p:txBody>
       </p:sp>
@@ -4259,6 +4234,224 @@
                 <a:cs typeface="Times New Roman" pitchFamily="18" charset="0"/>
               </a:rPr>
               <a:t>Lessons Learnt/Conclusions</a:t>
+            </a:r>
+          </a:p>
+        </p:txBody>
+      </p:sp>
+      <p:sp>
+        <p:nvSpPr>
+          <p:cNvPr id="4" name="TextBox 3"/>
+          <p:cNvSpPr txBox="1"/>
+          <p:nvPr/>
+        </p:nvSpPr>
+        <p:spPr>
+          <a:xfrm>
+            <a:off x="228600" y="838200"/>
+            <a:ext cx="8610600" cy="1200329"/>
+          </a:xfrm>
+          <a:prstGeom prst="rect">
+            <a:avLst/>
+          </a:prstGeom>
+          <a:noFill/>
+        </p:spPr>
+        <p:txBody>
+          <a:bodyPr>
+            <a:spAutoFit/>
+          </a:bodyPr>
+          <a:lstStyle/>
+          <a:p>
+            <a:pPr>
+              <a:buFontTx/>
+              <a:buChar char="-"/>
+              <a:defRPr/>
+            </a:pPr>
+            <a:endParaRPr lang="en-US" sz="2400" dirty="0" smtClean="0">
+              <a:latin typeface="Calibri" pitchFamily="34" charset="0"/>
+            </a:endParaRPr>
+          </a:p>
+          <a:p>
+            <a:pPr>
+              <a:buFontTx/>
+              <a:buChar char="-"/>
+              <a:defRPr/>
+            </a:pPr>
+            <a:endParaRPr lang="en-US" sz="2400" dirty="0" smtClean="0">
+              <a:latin typeface="Calibri" pitchFamily="34" charset="0"/>
+            </a:endParaRPr>
+          </a:p>
+          <a:p>
+            <a:pPr marL="457200" indent="-457200">
+              <a:buFont typeface="+mj-lt"/>
+              <a:buAutoNum type="arabicPeriod"/>
+              <a:defRPr/>
+            </a:pPr>
+            <a:endParaRPr lang="en-US" sz="2400" b="1" dirty="0">
+              <a:solidFill>
+                <a:schemeClr val="accent2"/>
+              </a:solidFill>
+              <a:latin typeface="Calibri" pitchFamily="34" charset="0"/>
+            </a:endParaRPr>
+          </a:p>
+        </p:txBody>
+      </p:sp>
+      <p:sp>
+        <p:nvSpPr>
+          <p:cNvPr id="5" name="TextBox 4"/>
+          <p:cNvSpPr txBox="1"/>
+          <p:nvPr/>
+        </p:nvSpPr>
+        <p:spPr>
+          <a:xfrm>
+            <a:off x="228600" y="838200"/>
+            <a:ext cx="8610600" cy="2308324"/>
+          </a:xfrm>
+          <a:prstGeom prst="rect">
+            <a:avLst/>
+          </a:prstGeom>
+          <a:noFill/>
+        </p:spPr>
+        <p:txBody>
+          <a:bodyPr>
+            <a:spAutoFit/>
+          </a:bodyPr>
+          <a:lstStyle/>
+          <a:p>
+            <a:r>
+              <a:rPr lang="en-US" sz="2400" b="1" dirty="0" smtClean="0"/>
+              <a:t>Reflection</a:t>
+            </a:r>
+            <a:endParaRPr lang="en-US" sz="2400" dirty="0" smtClean="0"/>
+          </a:p>
+          <a:p>
+            <a:r>
+              <a:rPr lang="en-US" sz="2400" b="1" dirty="0" smtClean="0"/>
+              <a:t>- Tool loading (from file/manual)</a:t>
+            </a:r>
+            <a:endParaRPr lang="en-US" sz="2400" dirty="0" smtClean="0"/>
+          </a:p>
+          <a:p>
+            <a:r>
+              <a:rPr lang="en-US" sz="2400" b="1" dirty="0" smtClean="0"/>
+              <a:t>- </a:t>
+            </a:r>
+            <a:r>
+              <a:rPr lang="en-US" sz="2400" b="1" dirty="0" err="1" smtClean="0"/>
+              <a:t>Toal</a:t>
+            </a:r>
+            <a:r>
+              <a:rPr lang="en-US" sz="2400" b="1" dirty="0" smtClean="0"/>
+              <a:t> loading (automatic/over network)</a:t>
+            </a:r>
+            <a:endParaRPr lang="en-US" sz="2400" dirty="0" smtClean="0"/>
+          </a:p>
+          <a:p>
+            <a:pPr>
+              <a:buFontTx/>
+              <a:buChar char="-"/>
+              <a:defRPr/>
+            </a:pPr>
+            <a:endParaRPr lang="en-US" sz="2400" dirty="0" smtClean="0">
+              <a:latin typeface="Calibri" pitchFamily="34" charset="0"/>
+            </a:endParaRPr>
+          </a:p>
+          <a:p>
+            <a:pPr>
+              <a:buFontTx/>
+              <a:buChar char="-"/>
+              <a:defRPr/>
+            </a:pPr>
+            <a:endParaRPr lang="en-US" sz="2400" dirty="0" smtClean="0">
+              <a:latin typeface="Calibri" pitchFamily="34" charset="0"/>
+            </a:endParaRPr>
+          </a:p>
+          <a:p>
+            <a:pPr marL="457200" indent="-457200">
+              <a:buFont typeface="+mj-lt"/>
+              <a:buAutoNum type="arabicPeriod"/>
+              <a:defRPr/>
+            </a:pPr>
+            <a:endParaRPr lang="en-US" sz="2400" b="1" dirty="0">
+              <a:solidFill>
+                <a:schemeClr val="accent2"/>
+              </a:solidFill>
+              <a:latin typeface="Calibri" pitchFamily="34" charset="0"/>
+            </a:endParaRPr>
+          </a:p>
+        </p:txBody>
+      </p:sp>
+    </p:spTree>
+  </p:cSld>
+  <p:clrMapOvr>
+    <a:masterClrMapping/>
+  </p:clrMapOvr>
+  <p:timing>
+    <p:tnLst>
+      <p:par>
+        <p:cTn id="1" dur="indefinite" restart="never" nodeType="tmRoot"/>
+      </p:par>
+    </p:tnLst>
+  </p:timing>
+</p:sld>
+</file>
+
+<file path=ppt/slides/slide9.xml><?xml version="1.0" encoding="utf-8"?>
+<p:sld xmlns:a="http://schemas.openxmlformats.org/drawingml/2006/main" xmlns:r="http://schemas.openxmlformats.org/officeDocument/2006/relationships" xmlns:p="http://schemas.openxmlformats.org/presentationml/2006/main">
+  <p:cSld>
+    <p:spTree>
+      <p:nvGrpSpPr>
+        <p:cNvPr id="1" name=""/>
+        <p:cNvGrpSpPr/>
+        <p:nvPr/>
+      </p:nvGrpSpPr>
+      <p:grpSpPr>
+        <a:xfrm>
+          <a:off x="0" y="0"/>
+          <a:ext cx="0" cy="0"/>
+          <a:chOff x="0" y="0"/>
+          <a:chExt cx="0" cy="0"/>
+        </a:xfrm>
+      </p:grpSpPr>
+      <p:sp>
+        <p:nvSpPr>
+          <p:cNvPr id="5122" name="Title 1"/>
+          <p:cNvSpPr>
+            <a:spLocks noGrp="1"/>
+          </p:cNvSpPr>
+          <p:nvPr>
+            <p:ph type="title"/>
+          </p:nvPr>
+        </p:nvSpPr>
+        <p:spPr>
+          <a:xfrm>
+            <a:off x="0" y="3124200"/>
+            <a:ext cx="9144000" cy="914400"/>
+          </a:xfrm>
+        </p:spPr>
+        <p:txBody>
+          <a:bodyPr/>
+          <a:lstStyle/>
+          <a:p>
+            <a:pPr eaLnBrk="1" hangingPunct="1"/>
+            <a:r>
+              <a:rPr lang="en-US" sz="4000" dirty="0" smtClean="0">
+                <a:latin typeface="Calibri" pitchFamily="34" charset="0"/>
+                <a:cs typeface="Times New Roman" pitchFamily="18" charset="0"/>
+              </a:rPr>
+              <a:t>Viva la </a:t>
+            </a:r>
+            <a:r>
+              <a:rPr lang="en-US" sz="4000" dirty="0" err="1" smtClean="0">
+                <a:latin typeface="Calibri" pitchFamily="34" charset="0"/>
+                <a:cs typeface="Times New Roman" pitchFamily="18" charset="0"/>
+              </a:rPr>
+              <a:t>Collaboracion</a:t>
+            </a:r>
+            <a:r>
+              <a:rPr lang="en-US" sz="4000" smtClean="0">
+                <a:latin typeface="Calibri" pitchFamily="34" charset="0"/>
+                <a:cs typeface="Times New Roman" pitchFamily="18" charset="0"/>
+              </a:rPr>
+              <a:t>!</a:t>
             </a:r>
             <a:endParaRPr lang="en-US" sz="4000" dirty="0" smtClean="0">
               <a:latin typeface="Calibri" pitchFamily="34" charset="0"/>

--- a/Final_Submission/Team1_May_06_2009_Final_Presentation.pptx
+++ b/Final_Submission/Team1_May_06_2009_Final_Presentation.pptx
@@ -297,7 +297,7 @@
             <a:fld id="{1D8BD707-D9CF-40AE-B4C6-C98DA3205C09}" type="datetimeFigureOut">
               <a:rPr lang="en-US" smtClean="0"/>
               <a:pPr/>
-              <a:t>5/1/2009</a:t>
+              <a:t>5/4/2009</a:t>
             </a:fld>
             <a:endParaRPr lang="en-US"/>
           </a:p>
@@ -464,7 +464,7 @@
             <a:fld id="{1D8BD707-D9CF-40AE-B4C6-C98DA3205C09}" type="datetimeFigureOut">
               <a:rPr lang="en-US" smtClean="0"/>
               <a:pPr/>
-              <a:t>5/1/2009</a:t>
+              <a:t>5/4/2009</a:t>
             </a:fld>
             <a:endParaRPr lang="en-US"/>
           </a:p>
@@ -641,7 +641,7 @@
             <a:fld id="{1D8BD707-D9CF-40AE-B4C6-C98DA3205C09}" type="datetimeFigureOut">
               <a:rPr lang="en-US" smtClean="0"/>
               <a:pPr/>
-              <a:t>5/1/2009</a:t>
+              <a:t>5/4/2009</a:t>
             </a:fld>
             <a:endParaRPr lang="en-US"/>
           </a:p>
@@ -808,7 +808,7 @@
             <a:fld id="{1D8BD707-D9CF-40AE-B4C6-C98DA3205C09}" type="datetimeFigureOut">
               <a:rPr lang="en-US" smtClean="0"/>
               <a:pPr/>
-              <a:t>5/1/2009</a:t>
+              <a:t>5/4/2009</a:t>
             </a:fld>
             <a:endParaRPr lang="en-US"/>
           </a:p>
@@ -1051,7 +1051,7 @@
             <a:fld id="{1D8BD707-D9CF-40AE-B4C6-C98DA3205C09}" type="datetimeFigureOut">
               <a:rPr lang="en-US" smtClean="0"/>
               <a:pPr/>
-              <a:t>5/1/2009</a:t>
+              <a:t>5/4/2009</a:t>
             </a:fld>
             <a:endParaRPr lang="en-US"/>
           </a:p>
@@ -1336,7 +1336,7 @@
             <a:fld id="{1D8BD707-D9CF-40AE-B4C6-C98DA3205C09}" type="datetimeFigureOut">
               <a:rPr lang="en-US" smtClean="0"/>
               <a:pPr/>
-              <a:t>5/1/2009</a:t>
+              <a:t>5/4/2009</a:t>
             </a:fld>
             <a:endParaRPr lang="en-US"/>
           </a:p>
@@ -1755,7 +1755,7 @@
             <a:fld id="{1D8BD707-D9CF-40AE-B4C6-C98DA3205C09}" type="datetimeFigureOut">
               <a:rPr lang="en-US" smtClean="0"/>
               <a:pPr/>
-              <a:t>5/1/2009</a:t>
+              <a:t>5/4/2009</a:t>
             </a:fld>
             <a:endParaRPr lang="en-US"/>
           </a:p>
@@ -1870,7 +1870,7 @@
             <a:fld id="{1D8BD707-D9CF-40AE-B4C6-C98DA3205C09}" type="datetimeFigureOut">
               <a:rPr lang="en-US" smtClean="0"/>
               <a:pPr/>
-              <a:t>5/1/2009</a:t>
+              <a:t>5/4/2009</a:t>
             </a:fld>
             <a:endParaRPr lang="en-US"/>
           </a:p>
@@ -1962,7 +1962,7 @@
             <a:fld id="{1D8BD707-D9CF-40AE-B4C6-C98DA3205C09}" type="datetimeFigureOut">
               <a:rPr lang="en-US" smtClean="0"/>
               <a:pPr/>
-              <a:t>5/1/2009</a:t>
+              <a:t>5/4/2009</a:t>
             </a:fld>
             <a:endParaRPr lang="en-US"/>
           </a:p>
@@ -2236,7 +2236,7 @@
             <a:fld id="{1D8BD707-D9CF-40AE-B4C6-C98DA3205C09}" type="datetimeFigureOut">
               <a:rPr lang="en-US" smtClean="0"/>
               <a:pPr/>
-              <a:t>5/1/2009</a:t>
+              <a:t>5/4/2009</a:t>
             </a:fld>
             <a:endParaRPr lang="en-US"/>
           </a:p>
@@ -2486,7 +2486,7 @@
             <a:fld id="{1D8BD707-D9CF-40AE-B4C6-C98DA3205C09}" type="datetimeFigureOut">
               <a:rPr lang="en-US" smtClean="0"/>
               <a:pPr/>
-              <a:t>5/1/2009</a:t>
+              <a:t>5/4/2009</a:t>
             </a:fld>
             <a:endParaRPr lang="en-US"/>
           </a:p>
@@ -2696,7 +2696,7 @@
             <a:fld id="{1D8BD707-D9CF-40AE-B4C6-C98DA3205C09}" type="datetimeFigureOut">
               <a:rPr lang="en-US" smtClean="0"/>
               <a:pPr/>
-              <a:t>5/1/2009</a:t>
+              <a:t>5/4/2009</a:t>
             </a:fld>
             <a:endParaRPr lang="en-US"/>
           </a:p>
@@ -4440,23 +4440,19 @@
               <a:t>Viva la </a:t>
             </a:r>
             <a:r>
-              <a:rPr lang="en-US" sz="4000" dirty="0" err="1" smtClean="0">
-                <a:latin typeface="Calibri" pitchFamily="34" charset="0"/>
-                <a:cs typeface="Times New Roman" pitchFamily="18" charset="0"/>
-              </a:rPr>
-              <a:t>Collaboracion</a:t>
-            </a:r>
-            <a:r>
               <a:rPr lang="en-US" sz="4000" smtClean="0">
                 <a:latin typeface="Calibri" pitchFamily="34" charset="0"/>
                 <a:cs typeface="Times New Roman" pitchFamily="18" charset="0"/>
               </a:rPr>
+              <a:t>Collaboracíon</a:t>
+            </a:r>
+            <a:r>
+              <a:rPr lang="en-US" sz="4000" dirty="0" smtClean="0">
+                <a:latin typeface="Calibri" pitchFamily="34" charset="0"/>
+                <a:cs typeface="Times New Roman" pitchFamily="18" charset="0"/>
+              </a:rPr>
               <a:t>!</a:t>
             </a:r>
-            <a:endParaRPr lang="en-US" sz="4000" dirty="0" smtClean="0">
-              <a:latin typeface="Calibri" pitchFamily="34" charset="0"/>
-              <a:cs typeface="Times New Roman" pitchFamily="18" charset="0"/>
-            </a:endParaRPr>
           </a:p>
         </p:txBody>
       </p:sp>
